--- a/deck0501.pptx
+++ b/deck0501.pptx
@@ -366,7 +366,7 @@
             <a:fld id="{95EFCE83-0D6D-418E-84F5-E30F60A7C7AC}" type="slidenum">
               <a:rPr lang="en-CA" smtClean="0"/>
               <a:pPr/>
-              <a:t>‹#›</a:t>
+              <a:t>&lt;#&gt;</a:t>
             </a:fld>
             <a:endParaRPr lang="en-CA"/>
           </a:p>
@@ -375,7 +375,7 @@
     </p:spTree>
     <p:extLst>
       <p:ext uri="{BB962C8B-B14F-4D97-AF65-F5344CB8AC3E}">
-        <p14:creationId xmlns:p14="http://schemas.microsoft.com/office/powerpoint/2010/main" val="2093363418"/>
+        <p14:creationId xmlns:p14="http://schemas.microsoft.com/office/powerpoint/2010/main" xmlns="" val="2093363418"/>
       </p:ext>
     </p:extLst>
   </p:cSld>
@@ -1144,7 +1144,7 @@
     </p:spTree>
     <p:extLst>
       <p:ext uri="{BB962C8B-B14F-4D97-AF65-F5344CB8AC3E}">
-        <p14:creationId xmlns:p14="http://schemas.microsoft.com/office/powerpoint/2010/main" val="1160006910"/>
+        <p14:creationId xmlns:p14="http://schemas.microsoft.com/office/powerpoint/2010/main" xmlns="" val="1160006910"/>
       </p:ext>
     </p:extLst>
   </p:cSld>
@@ -2006,7 +2006,7 @@
             <a:fld id="{B6F15528-21DE-4FAA-801E-634DDDAF4B2B}" type="slidenum">
               <a:rPr lang="en-US" smtClean="0"/>
               <a:pPr/>
-              <a:t>‹#›</a:t>
+              <a:t>&lt;#&gt;</a:t>
             </a:fld>
             <a:endParaRPr lang="en-US"/>
           </a:p>
@@ -2205,7 +2205,7 @@
             <a:fld id="{B6F15528-21DE-4FAA-801E-634DDDAF4B2B}" type="slidenum">
               <a:rPr lang="en-US" smtClean="0"/>
               <a:pPr/>
-              <a:t>‹#›</a:t>
+              <a:t>&lt;#&gt;</a:t>
             </a:fld>
             <a:endParaRPr lang="en-US"/>
           </a:p>
@@ -2382,7 +2382,7 @@
             <a:fld id="{B6F15528-21DE-4FAA-801E-634DDDAF4B2B}" type="slidenum">
               <a:rPr lang="en-US" smtClean="0"/>
               <a:pPr/>
-              <a:t>‹#›</a:t>
+              <a:t>&lt;#&gt;</a:t>
             </a:fld>
             <a:endParaRPr lang="en-US"/>
           </a:p>
@@ -2549,7 +2549,7 @@
             <a:fld id="{B6F15528-21DE-4FAA-801E-634DDDAF4B2B}" type="slidenum">
               <a:rPr lang="en-US" smtClean="0"/>
               <a:pPr/>
-              <a:t>‹#›</a:t>
+              <a:t>&lt;#&gt;</a:t>
             </a:fld>
             <a:endParaRPr lang="en-US"/>
           </a:p>
@@ -2792,7 +2792,7 @@
             <a:fld id="{B6F15528-21DE-4FAA-801E-634DDDAF4B2B}" type="slidenum">
               <a:rPr lang="en-US" smtClean="0"/>
               <a:pPr/>
-              <a:t>‹#›</a:t>
+              <a:t>&lt;#&gt;</a:t>
             </a:fld>
             <a:endParaRPr lang="en-US"/>
           </a:p>
@@ -3077,7 +3077,7 @@
             <a:fld id="{B6F15528-21DE-4FAA-801E-634DDDAF4B2B}" type="slidenum">
               <a:rPr lang="en-US" smtClean="0"/>
               <a:pPr/>
-              <a:t>‹#›</a:t>
+              <a:t>&lt;#&gt;</a:t>
             </a:fld>
             <a:endParaRPr lang="en-US"/>
           </a:p>
@@ -3496,7 +3496,7 @@
             <a:fld id="{B6F15528-21DE-4FAA-801E-634DDDAF4B2B}" type="slidenum">
               <a:rPr lang="en-US" smtClean="0"/>
               <a:pPr/>
-              <a:t>‹#›</a:t>
+              <a:t>&lt;#&gt;</a:t>
             </a:fld>
             <a:endParaRPr lang="en-US"/>
           </a:p>
@@ -3611,7 +3611,7 @@
             <a:fld id="{B6F15528-21DE-4FAA-801E-634DDDAF4B2B}" type="slidenum">
               <a:rPr lang="en-US" smtClean="0"/>
               <a:pPr/>
-              <a:t>‹#›</a:t>
+              <a:t>&lt;#&gt;</a:t>
             </a:fld>
             <a:endParaRPr lang="en-US"/>
           </a:p>
@@ -3703,7 +3703,7 @@
             <a:fld id="{B6F15528-21DE-4FAA-801E-634DDDAF4B2B}" type="slidenum">
               <a:rPr lang="en-US" smtClean="0"/>
               <a:pPr/>
-              <a:t>‹#›</a:t>
+              <a:t>&lt;#&gt;</a:t>
             </a:fld>
             <a:endParaRPr lang="en-US"/>
           </a:p>
@@ -3977,7 +3977,7 @@
             <a:fld id="{B6F15528-21DE-4FAA-801E-634DDDAF4B2B}" type="slidenum">
               <a:rPr lang="en-US" smtClean="0"/>
               <a:pPr/>
-              <a:t>‹#›</a:t>
+              <a:t>&lt;#&gt;</a:t>
             </a:fld>
             <a:endParaRPr lang="en-US"/>
           </a:p>
@@ -4227,7 +4227,7 @@
             <a:fld id="{B6F15528-21DE-4FAA-801E-634DDDAF4B2B}" type="slidenum">
               <a:rPr lang="en-US" smtClean="0"/>
               <a:pPr/>
-              <a:t>‹#›</a:t>
+              <a:t>&lt;#&gt;</a:t>
             </a:fld>
             <a:endParaRPr lang="en-US"/>
           </a:p>
@@ -4473,7 +4473,7 @@
             <a:fld id="{B6F15528-21DE-4FAA-801E-634DDDAF4B2B}" type="slidenum">
               <a:rPr lang="en-US" smtClean="0"/>
               <a:pPr/>
-              <a:t>‹#›</a:t>
+              <a:t>&lt;#&gt;</a:t>
             </a:fld>
             <a:endParaRPr lang="en-US"/>
           </a:p>
@@ -5784,7 +5784,7 @@
           <p:nvPr>
             <p:extLst>
               <p:ext uri="{D42A27DB-BD31-4B8C-83A1-F6EECF244321}">
-                <p14:modId xmlns:p14="http://schemas.microsoft.com/office/powerpoint/2010/main" val="3399242852"/>
+                <p14:modId xmlns:p14="http://schemas.microsoft.com/office/powerpoint/2010/main" xmlns="" val="3399242852"/>
               </p:ext>
             </p:extLst>
           </p:nvPr>
@@ -6261,7 +6261,7 @@
           <p:nvPr>
             <p:extLst>
               <p:ext uri="{D42A27DB-BD31-4B8C-83A1-F6EECF244321}">
-                <p14:modId xmlns:p14="http://schemas.microsoft.com/office/powerpoint/2010/main" val="2374675750"/>
+                <p14:modId xmlns:p14="http://schemas.microsoft.com/office/powerpoint/2010/main" xmlns="" val="2374675750"/>
               </p:ext>
             </p:extLst>
           </p:nvPr>
@@ -8355,7 +8355,7 @@
         </p:nvSpPr>
         <p:spPr>
           <a:xfrm>
-            <a:off x="6848476" y="1828800"/>
+            <a:off x="7753097" y="1795965"/>
             <a:ext cx="1377651" cy="707886"/>
           </a:xfrm>
           <a:prstGeom prst="rect">
@@ -8436,7 +8436,7 @@
                 <a:latin typeface="Calibri Bold" pitchFamily="34" charset="0"/>
                 <a:cs typeface="Calibri Bold" pitchFamily="34" charset="0"/>
               </a:rPr>
-              <a:t>５</a:t>
+              <a:t>２</a:t>
             </a:r>
             <a:r>
               <a:rPr lang="ja-JP" altLang="en-US" sz="4000" dirty="0" smtClean="0">
@@ -8513,7 +8513,7 @@
         </p:nvSpPr>
         <p:spPr>
           <a:xfrm>
-            <a:off x="1607970" y="3204418"/>
+            <a:off x="1516455" y="3204418"/>
             <a:ext cx="7177890" cy="685800"/>
           </a:xfrm>
           <a:prstGeom prst="chevron">
@@ -8557,7 +8557,7 @@
         </p:nvSpPr>
         <p:spPr>
           <a:xfrm rot="5400000">
-            <a:off x="2701471" y="2802582"/>
+            <a:off x="3394215" y="2768894"/>
             <a:ext cx="838200" cy="228600"/>
           </a:xfrm>
           <a:prstGeom prst="homePlate">
@@ -8609,7 +8609,7 @@
         </p:nvSpPr>
         <p:spPr>
           <a:xfrm rot="5400000">
-            <a:off x="5556156" y="2832615"/>
+            <a:off x="5800570" y="2871756"/>
             <a:ext cx="838200" cy="228600"/>
           </a:xfrm>
           <a:prstGeom prst="homePlate">
@@ -8661,7 +8661,7 @@
         </p:nvSpPr>
         <p:spPr>
           <a:xfrm rot="5400000">
-            <a:off x="7938558" y="2798712"/>
+            <a:off x="7927468" y="2792927"/>
             <a:ext cx="838200" cy="228600"/>
           </a:xfrm>
           <a:prstGeom prst="homePlate">
@@ -8713,8 +8713,8 @@
         </p:nvSpPr>
         <p:spPr>
           <a:xfrm>
-            <a:off x="1851660" y="2551866"/>
-            <a:ext cx="902811" cy="523220"/>
+            <a:off x="524506" y="1334300"/>
+            <a:ext cx="8092720" cy="461665"/>
           </a:xfrm>
           <a:prstGeom prst="rect">
             <a:avLst/>
@@ -8722,29 +8722,37 @@
           <a:noFill/>
         </p:spPr>
         <p:txBody>
-          <a:bodyPr wrap="none" rtlCol="0">
+          <a:bodyPr wrap="square" rtlCol="0">
             <a:spAutoFit/>
           </a:bodyPr>
           <a:lstStyle/>
           <a:p>
             <a:r>
-              <a:rPr lang="ja-JP" altLang="en-US" sz="2800" dirty="0" smtClean="0"/>
-              <a:t>構築</a:t>
-            </a:r>
-            <a:endParaRPr lang="en-CA" sz="2800" dirty="0"/>
-          </a:p>
-        </p:txBody>
-      </p:sp>
-      <p:sp>
-        <p:nvSpPr>
-          <p:cNvPr id="24" name="TextBox 11"/>
+              <a:rPr lang="ja-JP" altLang="en-US" sz="2400" dirty="0" smtClean="0"/>
+              <a:t>温度、湿度を感知し、</a:t>
+            </a:r>
+            <a:r>
+              <a:rPr lang="en-US" altLang="ja-JP" sz="2400" dirty="0" smtClean="0"/>
+              <a:t>web</a:t>
+            </a:r>
+            <a:r>
+              <a:rPr lang="ja-JP" altLang="en-US" sz="2400" dirty="0" smtClean="0"/>
+              <a:t>ブラウザから確認できるシステム</a:t>
+            </a:r>
+            <a:endParaRPr lang="en-CA" sz="2400" dirty="0"/>
+          </a:p>
+        </p:txBody>
+      </p:sp>
+      <p:sp>
+        <p:nvSpPr>
+          <p:cNvPr id="26" name="TextBox 13"/>
           <p:cNvSpPr txBox="1"/>
           <p:nvPr/>
         </p:nvSpPr>
         <p:spPr>
           <a:xfrm>
-            <a:off x="3275479" y="2435959"/>
-            <a:ext cx="2699777" cy="830997"/>
+            <a:off x="1988971" y="3276375"/>
+            <a:ext cx="1148071" cy="523220"/>
           </a:xfrm>
           <a:prstGeom prst="rect">
             <a:avLst/>
@@ -8757,40 +8765,32 @@
           </a:bodyPr>
           <a:lstStyle/>
           <a:p>
-            <a:pPr algn="ctr"/>
-            <a:r>
-              <a:rPr lang="ja-JP" altLang="en-US" sz="2400" dirty="0" smtClean="0"/>
-              <a:t>モデル用いたテスト</a:t>
-            </a:r>
-            <a:r>
-              <a:rPr lang="en-US" altLang="ja-JP" sz="2400" dirty="0"/>
-              <a:t/>
-            </a:r>
-            <a:br>
-              <a:rPr lang="en-US" altLang="ja-JP" sz="2400" dirty="0"/>
-            </a:br>
-            <a:r>
-              <a:rPr lang="ja-JP" altLang="en-US" sz="2400" dirty="0"/>
-              <a:t>＆</a:t>
-            </a:r>
-            <a:r>
-              <a:rPr lang="ja-JP" altLang="en-US" sz="2400" dirty="0" smtClean="0"/>
-              <a:t>フィードバック</a:t>
-            </a:r>
-            <a:endParaRPr lang="en-CA" sz="2400" dirty="0"/>
-          </a:p>
-        </p:txBody>
-      </p:sp>
-      <p:sp>
-        <p:nvSpPr>
-          <p:cNvPr id="25" name="TextBox 12"/>
+            <a:r>
+              <a:rPr lang="ja-JP" altLang="en-US" sz="2800" dirty="0" smtClean="0">
+                <a:solidFill>
+                  <a:schemeClr val="bg1"/>
+                </a:solidFill>
+              </a:rPr>
+              <a:t>２週間</a:t>
+            </a:r>
+            <a:endParaRPr lang="en-CA" sz="2800" dirty="0">
+              <a:solidFill>
+                <a:schemeClr val="bg1"/>
+              </a:solidFill>
+            </a:endParaRPr>
+          </a:p>
+        </p:txBody>
+      </p:sp>
+      <p:sp>
+        <p:nvSpPr>
+          <p:cNvPr id="27" name="TextBox 14"/>
           <p:cNvSpPr txBox="1"/>
           <p:nvPr/>
         </p:nvSpPr>
         <p:spPr>
           <a:xfrm>
-            <a:off x="6097664" y="2674976"/>
-            <a:ext cx="1980029" cy="400110"/>
+            <a:off x="4381500" y="3327968"/>
+            <a:ext cx="1600200" cy="523220"/>
           </a:xfrm>
           <a:prstGeom prst="rect">
             <a:avLst/>
@@ -8798,29 +8798,53 @@
           <a:noFill/>
         </p:spPr>
         <p:txBody>
-          <a:bodyPr wrap="none" rtlCol="0">
+          <a:bodyPr wrap="square" rtlCol="0">
             <a:spAutoFit/>
           </a:bodyPr>
           <a:lstStyle/>
           <a:p>
             <a:r>
-              <a:rPr lang="ja-JP" altLang="en-US" sz="2000" dirty="0" smtClean="0"/>
-              <a:t>農地への実用化</a:t>
-            </a:r>
-            <a:endParaRPr lang="en-CA" sz="2000" dirty="0"/>
-          </a:p>
-        </p:txBody>
-      </p:sp>
-      <p:sp>
-        <p:nvSpPr>
-          <p:cNvPr id="26" name="TextBox 13"/>
+              <a:rPr lang="en-CA" sz="2800" dirty="0" smtClean="0">
+                <a:solidFill>
+                  <a:schemeClr val="bg1"/>
+                </a:solidFill>
+              </a:rPr>
+              <a:t> </a:t>
+            </a:r>
+            <a:r>
+              <a:rPr lang="en-US" sz="2800" dirty="0" smtClean="0">
+                <a:solidFill>
+                  <a:schemeClr val="bg1"/>
+                </a:solidFill>
+              </a:rPr>
+              <a:t>2</a:t>
+            </a:r>
+            <a:r>
+              <a:rPr lang="ja-JP" altLang="en-US" sz="2800" dirty="0">
+                <a:solidFill>
+                  <a:schemeClr val="bg1"/>
+                </a:solidFill>
+              </a:rPr>
+              <a:t>週間</a:t>
+            </a:r>
+            <a:endParaRPr lang="en-CA" sz="2800" dirty="0">
+              <a:solidFill>
+                <a:schemeClr val="bg1"/>
+              </a:solidFill>
+            </a:endParaRPr>
+          </a:p>
+        </p:txBody>
+      </p:sp>
+      <p:sp>
+        <p:nvSpPr>
+          <p:cNvPr id="28" name="TextBox 15"/>
           <p:cNvSpPr txBox="1"/>
           <p:nvPr/>
         </p:nvSpPr>
         <p:spPr>
           <a:xfrm>
-            <a:off x="1988971" y="3280618"/>
-            <a:ext cx="1184940" cy="523220"/>
+            <a:off x="7034599" y="3285708"/>
+            <a:ext cx="1005403" cy="523220"/>
           </a:xfrm>
           <a:prstGeom prst="rect">
             <a:avLst/>
@@ -8834,15 +8858,15 @@
           <a:lstStyle/>
           <a:p>
             <a:r>
-              <a:rPr lang="en-CA" sz="2800" dirty="0" smtClean="0">
+              <a:rPr lang="en-US" altLang="ja-JP" sz="2800" dirty="0" smtClean="0">
                 <a:solidFill>
                   <a:schemeClr val="bg1"/>
                 </a:solidFill>
               </a:rPr>
-              <a:t>~3</a:t>
-            </a:r>
-            <a:r>
-              <a:rPr lang="ja-JP" altLang="en-US" sz="2800" dirty="0" smtClean="0">
+              <a:t>1</a:t>
+            </a:r>
+            <a:r>
+              <a:rPr lang="ja-JP" altLang="en-US" sz="2800" dirty="0">
                 <a:solidFill>
                   <a:schemeClr val="bg1"/>
                 </a:solidFill>
@@ -8859,14 +8883,14 @@
       </p:sp>
       <p:sp>
         <p:nvSpPr>
-          <p:cNvPr id="27" name="TextBox 14"/>
+          <p:cNvPr id="3" name="テキスト ボックス 2"/>
           <p:cNvSpPr txBox="1"/>
           <p:nvPr/>
         </p:nvSpPr>
         <p:spPr>
           <a:xfrm>
-            <a:off x="3899666" y="3332112"/>
-            <a:ext cx="1087157" cy="523220"/>
+            <a:off x="6493565" y="2518355"/>
+            <a:ext cx="1631554" cy="646331"/>
           </a:xfrm>
           <a:prstGeom prst="rect">
             <a:avLst/>
@@ -8874,53 +8898,36 @@
           <a:noFill/>
         </p:spPr>
         <p:txBody>
-          <a:bodyPr wrap="none" rtlCol="0">
+          <a:bodyPr wrap="square" rtlCol="0">
             <a:spAutoFit/>
           </a:bodyPr>
           <a:lstStyle/>
           <a:p>
             <a:r>
-              <a:rPr lang="en-CA" sz="2800" dirty="0" smtClean="0">
-                <a:solidFill>
-                  <a:schemeClr val="bg1"/>
-                </a:solidFill>
-              </a:rPr>
-              <a:t> </a:t>
-            </a:r>
-            <a:r>
-              <a:rPr lang="en-US" sz="2800" dirty="0" smtClean="0">
-                <a:solidFill>
-                  <a:schemeClr val="bg1"/>
-                </a:solidFill>
-              </a:rPr>
-              <a:t>1</a:t>
-            </a:r>
-            <a:r>
-              <a:rPr lang="ja-JP" altLang="en-US" sz="2800" dirty="0" smtClean="0">
-                <a:solidFill>
-                  <a:schemeClr val="bg1"/>
-                </a:solidFill>
-              </a:rPr>
-              <a:t>ヶ月</a:t>
-            </a:r>
-            <a:endParaRPr lang="en-CA" sz="2800" dirty="0">
-              <a:solidFill>
-                <a:schemeClr val="bg1"/>
-              </a:solidFill>
-            </a:endParaRPr>
-          </a:p>
-        </p:txBody>
-      </p:sp>
-      <p:sp>
-        <p:nvSpPr>
-          <p:cNvPr id="28" name="TextBox 15"/>
+              <a:rPr kumimoji="1" lang="ja-JP" altLang="en-US" dirty="0" smtClean="0"/>
+              <a:t>コーディングと</a:t>
+            </a:r>
+            <a:endParaRPr kumimoji="1" lang="en-US" altLang="ja-JP" dirty="0" smtClean="0"/>
+          </a:p>
+          <a:p>
+            <a:r>
+              <a:rPr kumimoji="1" lang="ja-JP" altLang="en-US" dirty="0" smtClean="0"/>
+              <a:t>デバッグ</a:t>
+            </a:r>
+            <a:endParaRPr kumimoji="1" lang="ja-JP" altLang="en-US" dirty="0"/>
+          </a:p>
+        </p:txBody>
+      </p:sp>
+      <p:sp>
+        <p:nvSpPr>
+          <p:cNvPr id="4" name="テキスト ボックス 3"/>
           <p:cNvSpPr txBox="1"/>
           <p:nvPr/>
         </p:nvSpPr>
         <p:spPr>
           <a:xfrm>
-            <a:off x="6295870" y="3280618"/>
-            <a:ext cx="1149674" cy="523220"/>
+            <a:off x="993914" y="2464094"/>
+            <a:ext cx="2819400" cy="646331"/>
           </a:xfrm>
           <a:prstGeom prst="rect">
             <a:avLst/>
@@ -8928,32 +8935,65 @@
           <a:noFill/>
         </p:spPr>
         <p:txBody>
-          <a:bodyPr wrap="none" rtlCol="0">
+          <a:bodyPr wrap="square" rtlCol="0">
             <a:spAutoFit/>
           </a:bodyPr>
           <a:lstStyle/>
           <a:p>
             <a:r>
-              <a:rPr lang="en-CA" sz="2800" dirty="0" smtClean="0">
-                <a:solidFill>
-                  <a:schemeClr val="bg1"/>
-                </a:solidFill>
-              </a:rPr>
-              <a:t> </a:t>
-            </a:r>
-            <a:r>
-              <a:rPr lang="ja-JP" altLang="en-US" sz="2800" dirty="0" smtClean="0">
-                <a:solidFill>
-                  <a:schemeClr val="bg1"/>
-                </a:solidFill>
-              </a:rPr>
-              <a:t>１ヶ月</a:t>
-            </a:r>
-            <a:endParaRPr lang="en-CA" sz="2800" dirty="0">
-              <a:solidFill>
-                <a:schemeClr val="bg1"/>
-              </a:solidFill>
-            </a:endParaRPr>
+              <a:rPr kumimoji="1" lang="en-US" altLang="ja-JP" dirty="0" smtClean="0"/>
+              <a:t>Android</a:t>
+            </a:r>
+            <a:r>
+              <a:rPr kumimoji="1" lang="ja-JP" altLang="en-US" dirty="0" smtClean="0"/>
+              <a:t>と</a:t>
+            </a:r>
+            <a:r>
+              <a:rPr kumimoji="1" lang="en-US" altLang="ja-JP" dirty="0" smtClean="0"/>
+              <a:t>web</a:t>
+            </a:r>
+            <a:r>
+              <a:rPr kumimoji="1" lang="ja-JP" altLang="en-US" dirty="0" smtClean="0"/>
+              <a:t>ブラウザ間の双方向通信機能の調査</a:t>
+            </a:r>
+            <a:endParaRPr kumimoji="1" lang="ja-JP" altLang="en-US" dirty="0"/>
+          </a:p>
+        </p:txBody>
+      </p:sp>
+      <p:sp>
+        <p:nvSpPr>
+          <p:cNvPr id="7" name="テキスト ボックス 6"/>
+          <p:cNvSpPr txBox="1"/>
+          <p:nvPr/>
+        </p:nvSpPr>
+        <p:spPr>
+          <a:xfrm>
+            <a:off x="4114800" y="2518356"/>
+            <a:ext cx="2133600" cy="646331"/>
+          </a:xfrm>
+          <a:prstGeom prst="rect">
+            <a:avLst/>
+          </a:prstGeom>
+          <a:noFill/>
+        </p:spPr>
+        <p:txBody>
+          <a:bodyPr wrap="square" rtlCol="0">
+            <a:spAutoFit/>
+          </a:bodyPr>
+          <a:lstStyle/>
+          <a:p>
+            <a:r>
+              <a:rPr kumimoji="1" lang="ja-JP" altLang="en-US" dirty="0" smtClean="0"/>
+              <a:t>双方向通信機能の</a:t>
+            </a:r>
+            <a:endParaRPr kumimoji="1" lang="en-US" altLang="ja-JP" dirty="0" smtClean="0"/>
+          </a:p>
+          <a:p>
+            <a:r>
+              <a:rPr kumimoji="1" lang="ja-JP" altLang="en-US" dirty="0" smtClean="0"/>
+              <a:t>システム設計</a:t>
+            </a:r>
+            <a:endParaRPr kumimoji="1" lang="ja-JP" altLang="en-US" dirty="0"/>
           </a:p>
         </p:txBody>
       </p:sp>
@@ -9293,15 +9333,7 @@
                   <a:srgbClr val="000000"/>
                 </a:solidFill>
               </a:rPr>
-              <a:t>の</a:t>
-            </a:r>
-            <a:r>
-              <a:rPr lang="ja-JP" altLang="en-US" sz="2800" dirty="0" smtClean="0">
-                <a:solidFill>
-                  <a:srgbClr val="000000"/>
-                </a:solidFill>
-              </a:rPr>
-              <a:t>手法として</a:t>
+              <a:t>の手法として</a:t>
             </a:r>
             <a:endParaRPr lang="en-CA" dirty="0" smtClean="0">
               <a:solidFill>
@@ -9316,15 +9348,53 @@
                   <a:srgbClr val="008000"/>
                 </a:solidFill>
               </a:rPr>
-              <a:t>手軽に、離れた</a:t>
-            </a:r>
+              <a:t>手軽に、離れた農地の環境を知ることが出来、尚且つ機器の操作ができる特徴</a:t>
+            </a:r>
+            <a:r>
+              <a:rPr lang="ja-JP" altLang="en-US" sz="2600" dirty="0" smtClean="0">
+                <a:solidFill>
+                  <a:srgbClr val="000000"/>
+                </a:solidFill>
+              </a:rPr>
+              <a:t>がある</a:t>
+            </a:r>
+            <a:r>
+              <a:rPr lang="en-CA" sz="3000" dirty="0" smtClean="0"/>
+              <a:t>.</a:t>
+            </a:r>
+            <a:endParaRPr lang="en-CA" dirty="0" smtClean="0"/>
+          </a:p>
+          <a:p>
             <a:r>
               <a:rPr lang="ja-JP" altLang="en-US" dirty="0" smtClean="0">
                 <a:solidFill>
                   <a:srgbClr val="008000"/>
                 </a:solidFill>
               </a:rPr>
-              <a:t>農地の環境を知ることが出来、尚且つ機器の操作ができる</a:t>
+              <a:t>従来の農業センシングシステム</a:t>
+            </a:r>
+            <a:r>
+              <a:rPr lang="ja-JP" altLang="en-US" sz="2600" dirty="0" smtClean="0">
+                <a:solidFill>
+                  <a:srgbClr val="000000"/>
+                </a:solidFill>
+              </a:rPr>
+              <a:t>と違って</a:t>
+            </a:r>
+            <a:endParaRPr lang="en-CA" sz="3000" dirty="0" smtClean="0">
+              <a:solidFill>
+                <a:srgbClr val="008000"/>
+              </a:solidFill>
+            </a:endParaRPr>
+          </a:p>
+          <a:p>
+            <a:r>
+              <a:rPr lang="ja-JP" altLang="en-US" sz="3000" dirty="0" smtClean="0">
+                <a:solidFill>
+                  <a:srgbClr val="000000"/>
+                </a:solidFill>
+              </a:rPr>
+              <a:t>我々のプロジェクトは</a:t>
             </a:r>
             <a:r>
               <a:rPr lang="ja-JP" altLang="en-US" dirty="0" smtClean="0">
@@ -9332,7 +9402,7 @@
                   <a:srgbClr val="008000"/>
                 </a:solidFill>
               </a:rPr>
-              <a:t>特徴</a:t>
+              <a:t>環境調整装置を遠隔操作できる利点</a:t>
             </a:r>
             <a:r>
               <a:rPr lang="ja-JP" altLang="en-US" sz="2600" dirty="0" smtClean="0">
@@ -9340,125 +9410,7 @@
                   <a:srgbClr val="000000"/>
                 </a:solidFill>
               </a:rPr>
-              <a:t>が</a:t>
-            </a:r>
-            <a:r>
-              <a:rPr lang="ja-JP" altLang="en-US" sz="2600" dirty="0" smtClean="0">
-                <a:solidFill>
-                  <a:srgbClr val="000000"/>
-                </a:solidFill>
-              </a:rPr>
-              <a:t>ある</a:t>
-            </a:r>
-            <a:r>
-              <a:rPr lang="en-CA" sz="3000" dirty="0" smtClean="0"/>
-              <a:t>.</a:t>
-            </a:r>
-            <a:endParaRPr lang="en-CA" dirty="0" smtClean="0"/>
-          </a:p>
-          <a:p>
-            <a:r>
-              <a:rPr lang="ja-JP" altLang="en-US" dirty="0" smtClean="0">
-                <a:solidFill>
-                  <a:srgbClr val="008000"/>
-                </a:solidFill>
-              </a:rPr>
-              <a:t>従来</a:t>
-            </a:r>
-            <a:r>
-              <a:rPr lang="ja-JP" altLang="en-US" dirty="0" smtClean="0">
-                <a:solidFill>
-                  <a:srgbClr val="008000"/>
-                </a:solidFill>
-              </a:rPr>
-              <a:t>の農業</a:t>
-            </a:r>
-            <a:r>
-              <a:rPr lang="ja-JP" altLang="en-US" dirty="0" smtClean="0">
-                <a:solidFill>
-                  <a:srgbClr val="008000"/>
-                </a:solidFill>
-              </a:rPr>
-              <a:t>センシングシステム</a:t>
-            </a:r>
-            <a:r>
-              <a:rPr lang="ja-JP" altLang="en-US" sz="2600" dirty="0" smtClean="0">
-                <a:solidFill>
-                  <a:srgbClr val="000000"/>
-                </a:solidFill>
-              </a:rPr>
-              <a:t>と</a:t>
-            </a:r>
-            <a:r>
-              <a:rPr lang="ja-JP" altLang="en-US" sz="2600" dirty="0" smtClean="0">
-                <a:solidFill>
-                  <a:srgbClr val="000000"/>
-                </a:solidFill>
-              </a:rPr>
-              <a:t>違って</a:t>
-            </a:r>
-            <a:endParaRPr lang="en-CA" sz="3000" dirty="0" smtClean="0">
-              <a:solidFill>
-                <a:srgbClr val="008000"/>
-              </a:solidFill>
-            </a:endParaRPr>
-          </a:p>
-          <a:p>
-            <a:r>
-              <a:rPr lang="ja-JP" altLang="en-US" sz="3000" dirty="0" smtClean="0">
-                <a:solidFill>
-                  <a:srgbClr val="000000"/>
-                </a:solidFill>
-              </a:rPr>
-              <a:t>我々のプロジェクト</a:t>
-            </a:r>
-            <a:r>
-              <a:rPr lang="ja-JP" altLang="en-US" sz="3000" dirty="0" smtClean="0">
-                <a:solidFill>
-                  <a:srgbClr val="000000"/>
-                </a:solidFill>
-              </a:rPr>
-              <a:t>は</a:t>
-            </a:r>
-            <a:r>
-              <a:rPr lang="ja-JP" altLang="en-US" dirty="0" smtClean="0">
-                <a:solidFill>
-                  <a:srgbClr val="008000"/>
-                </a:solidFill>
-              </a:rPr>
-              <a:t>環境</a:t>
-            </a:r>
-            <a:r>
-              <a:rPr lang="ja-JP" altLang="en-US" dirty="0" smtClean="0">
-                <a:solidFill>
-                  <a:srgbClr val="008000"/>
-                </a:solidFill>
-              </a:rPr>
-              <a:t>調整装置を遠隔操作できる</a:t>
-            </a:r>
-            <a:r>
-              <a:rPr lang="ja-JP" altLang="en-US" dirty="0" smtClean="0">
-                <a:solidFill>
-                  <a:srgbClr val="008000"/>
-                </a:solidFill>
-              </a:rPr>
-              <a:t>利点</a:t>
-            </a:r>
-            <a:r>
-              <a:rPr lang="ja-JP" altLang="en-US" sz="2600" dirty="0" smtClean="0">
-                <a:solidFill>
-                  <a:srgbClr val="000000"/>
-                </a:solidFill>
-              </a:rPr>
-              <a:t>が</a:t>
-            </a:r>
-            <a:r>
-              <a:rPr lang="ja-JP" altLang="en-US" sz="2600" dirty="0" smtClean="0">
-                <a:solidFill>
-                  <a:srgbClr val="000000"/>
-                </a:solidFill>
-              </a:rPr>
-              <a:t>ある</a:t>
+              <a:t>がある</a:t>
             </a:r>
             <a:r>
               <a:rPr lang="en-CA" sz="3000" dirty="0" smtClean="0"/>
@@ -9785,7 +9737,7 @@
           <a:blip r:embed="rId3" cstate="print">
             <a:extLst>
               <a:ext uri="{28A0092B-C50C-407E-A947-70E740481C1C}">
-                <a14:useLocalDpi xmlns:a14="http://schemas.microsoft.com/office/drawing/2010/main" val="0"/>
+                <a14:useLocalDpi xmlns:a14="http://schemas.microsoft.com/office/drawing/2010/main" xmlns="" val="0"/>
               </a:ext>
             </a:extLst>
           </a:blip>
@@ -9809,14 +9761,14 @@
           <a:effectLst/>
           <a:extLst>
             <a:ext uri="{909E8E84-426E-40DD-AFC4-6F175D3DCCD1}">
-              <a14:hiddenFill xmlns:a14="http://schemas.microsoft.com/office/drawing/2010/main">
+              <a14:hiddenFill xmlns:a14="http://schemas.microsoft.com/office/drawing/2010/main" xmlns="">
                 <a:solidFill>
                   <a:schemeClr val="accent1"/>
                 </a:solidFill>
               </a14:hiddenFill>
             </a:ext>
             <a:ext uri="{91240B29-F687-4F45-9708-019B960494DF}">
-              <a14:hiddenLine xmlns:a14="http://schemas.microsoft.com/office/drawing/2010/main" w="9525">
+              <a14:hiddenLine xmlns:a14="http://schemas.microsoft.com/office/drawing/2010/main" xmlns="" w="9525">
                 <a:solidFill>
                   <a:schemeClr val="tx1"/>
                 </a:solidFill>
@@ -9826,7 +9778,7 @@
               </a14:hiddenLine>
             </a:ext>
             <a:ext uri="{AF507438-7753-43E0-B8FC-AC1667EBCBE1}">
-              <a14:hiddenEffects xmlns:a14="http://schemas.microsoft.com/office/drawing/2010/main">
+              <a14:hiddenEffects xmlns:a14="http://schemas.microsoft.com/office/drawing/2010/main" xmlns="">
                 <a:effectLst>
                   <a:outerShdw dist="35921" dir="2700000" algn="ctr" rotWithShape="0">
                     <a:schemeClr val="bg2"/>
@@ -9990,7 +9942,7 @@
           <p:nvPr>
             <p:extLst>
               <p:ext uri="{D42A27DB-BD31-4B8C-83A1-F6EECF244321}">
-                <p14:modId xmlns:p14="http://schemas.microsoft.com/office/powerpoint/2010/main" val="3955798520"/>
+                <p14:modId xmlns:p14="http://schemas.microsoft.com/office/powerpoint/2010/main" xmlns="" val="3955798520"/>
               </p:ext>
             </p:extLst>
           </p:nvPr>
@@ -10306,7 +10258,7 @@
           <p:nvPr>
             <p:extLst>
               <p:ext uri="{D42A27DB-BD31-4B8C-83A1-F6EECF244321}">
-                <p14:modId xmlns:p14="http://schemas.microsoft.com/office/powerpoint/2010/main" val="93491849"/>
+                <p14:modId xmlns:p14="http://schemas.microsoft.com/office/powerpoint/2010/main" xmlns="" val="93491849"/>
               </p:ext>
             </p:extLst>
           </p:nvPr>
@@ -11303,7 +11255,7 @@
         </p:blipFill>
         <p:spPr bwMode="auto">
           <a:xfrm>
-            <a:off x="590550" y="3048000"/>
+            <a:off x="0" y="3657600"/>
             <a:ext cx="800100" cy="927100"/>
           </a:xfrm>
           <a:prstGeom prst="rect">
@@ -11326,8 +11278,8 @@
         </p:nvSpPr>
         <p:spPr>
           <a:xfrm>
-            <a:off x="4953000" y="4914542"/>
-            <a:ext cx="2362200" cy="1569660"/>
+            <a:off x="3962400" y="5029200"/>
+            <a:ext cx="2362200" cy="1938992"/>
           </a:xfrm>
           <a:prstGeom prst="rect">
             <a:avLst/>
@@ -11341,13 +11293,14 @@
           <a:lstStyle/>
           <a:p>
             <a:r>
+              <a:rPr lang="en-CA" sz="2400" b="1" dirty="0" smtClean="0"/>
+              <a:t>Android</a:t>
+            </a:r>
+            <a:r>
               <a:rPr lang="ja-JP" altLang="en-US" sz="2400" b="1" dirty="0" smtClean="0"/>
-              <a:t>技術</a:t>
-            </a:r>
-            <a:r>
-              <a:rPr lang="en-CA" sz="2400" b="1" dirty="0" smtClean="0"/>
-              <a:t>:(Android)</a:t>
-            </a:r>
+              <a:t>とサーバの通信制御</a:t>
+            </a:r>
+            <a:endParaRPr lang="en-CA" sz="2400" b="1" dirty="0" smtClean="0"/>
           </a:p>
           <a:p>
             <a:r>
@@ -11384,12 +11337,9 @@
             </a:r>
             <a:r>
               <a:rPr lang="en-US" altLang="ja-JP" sz="2400" b="1" dirty="0" smtClean="0"/>
-              <a:t>:</a:t>
-            </a:r>
-            <a:r>
-              <a:rPr lang="en-CA" sz="2400" b="1" dirty="0" smtClean="0"/>
-              <a:t>SDK ADK</a:t>
-            </a:r>
+              <a:t>:eclipse</a:t>
+            </a:r>
+            <a:endParaRPr lang="en-CA" sz="2400" b="1" dirty="0" smtClean="0"/>
           </a:p>
         </p:txBody>
       </p:sp>
@@ -11401,8 +11351,8 @@
         </p:nvSpPr>
         <p:spPr>
           <a:xfrm>
-            <a:off x="6400800" y="429946"/>
-            <a:ext cx="2667000" cy="1569660"/>
+            <a:off x="6324600" y="0"/>
+            <a:ext cx="2819400" cy="1569660"/>
           </a:xfrm>
           <a:prstGeom prst="rect">
             <a:avLst/>
@@ -11416,21 +11366,14 @@
           <a:lstStyle/>
           <a:p>
             <a:r>
-              <a:rPr lang="ja-JP" altLang="en-US" sz="2400" b="1" dirty="0" smtClean="0"/>
-              <a:t>技術</a:t>
-            </a:r>
-            <a:r>
-              <a:rPr lang="en-CA" sz="2400" b="1" dirty="0" smtClean="0"/>
-              <a:t>:(</a:t>
-            </a:r>
-            <a:r>
               <a:rPr lang="en-CA" sz="2400" b="1" dirty="0" err="1" smtClean="0"/>
               <a:t>Arduino</a:t>
             </a:r>
             <a:r>
-              <a:rPr lang="en-CA" sz="2400" b="1" dirty="0" smtClean="0"/>
-              <a:t>)</a:t>
-            </a:r>
+              <a:rPr lang="ja-JP" altLang="en-US" sz="2400" b="1" dirty="0" smtClean="0"/>
+              <a:t>基盤の制御</a:t>
+            </a:r>
+            <a:endParaRPr lang="en-CA" sz="2400" b="1" dirty="0" smtClean="0"/>
           </a:p>
           <a:p>
             <a:r>
@@ -11490,7 +11433,7 @@
         </p:nvSpPr>
         <p:spPr>
           <a:xfrm>
-            <a:off x="1676400" y="4648200"/>
+            <a:off x="1066800" y="5257800"/>
             <a:ext cx="2209800" cy="1200329"/>
           </a:xfrm>
           <a:prstGeom prst="rect">
@@ -11505,14 +11448,6 @@
           <a:lstStyle/>
           <a:p>
             <a:r>
-              <a:rPr lang="ja-JP" altLang="en-US" sz="2400" b="1" dirty="0" smtClean="0"/>
-              <a:t>技術</a:t>
-            </a:r>
-            <a:r>
-              <a:rPr lang="en-US" altLang="ja-JP" sz="2400" b="1" dirty="0" smtClean="0"/>
-              <a:t>:</a:t>
-            </a:r>
-            <a:r>
               <a:rPr lang="en-US" altLang="ja-JP" sz="2400" b="1" dirty="0" err="1" smtClean="0"/>
               <a:t>webapp</a:t>
             </a:r>
@@ -11521,11 +11456,15 @@
           <a:p>
             <a:r>
               <a:rPr lang="ja-JP" altLang="en-US" sz="2400" b="1" dirty="0" smtClean="0"/>
-              <a:t>環境</a:t>
+              <a:t>言語</a:t>
             </a:r>
             <a:r>
               <a:rPr lang="en-US" altLang="ja-JP" sz="2400" b="1" dirty="0" smtClean="0"/>
-              <a:t>:HTML5,</a:t>
+              <a:t>:HTML5</a:t>
+            </a:r>
+            <a:r>
+              <a:rPr lang="en-US" altLang="ja-JP" sz="2400" b="1" dirty="0" smtClean="0"/>
+              <a:t>,</a:t>
             </a:r>
             <a:br>
               <a:rPr lang="en-US" altLang="ja-JP" sz="2400" b="1" dirty="0" smtClean="0"/>
@@ -11545,7 +11484,7 @@
         </p:nvSpPr>
         <p:spPr>
           <a:xfrm>
-            <a:off x="236220" y="1908048"/>
+            <a:off x="0" y="1219200"/>
             <a:ext cx="1752600" cy="914400"/>
           </a:xfrm>
           <a:prstGeom prst="cloud">
@@ -11592,16 +11531,16 @@
       </p:sp>
       <p:sp>
         <p:nvSpPr>
-          <p:cNvPr id="14" name="Cloud 6"/>
+          <p:cNvPr id="10" name="円/楕円 9"/>
           <p:cNvSpPr/>
           <p:nvPr/>
         </p:nvSpPr>
         <p:spPr>
           <a:xfrm>
-            <a:off x="4191000" y="2859024"/>
-            <a:ext cx="2514600" cy="707136"/>
+            <a:off x="228600" y="4495800"/>
+            <a:ext cx="2209800" cy="685800"/>
           </a:xfrm>
-          <a:prstGeom prst="cloud">
+          <a:prstGeom prst="ellipse">
             <a:avLst/>
           </a:prstGeom>
           <a:noFill/>
@@ -11628,18 +11567,907 @@
           <a:p>
             <a:pPr algn="ctr"/>
             <a:r>
-              <a:rPr lang="ja-JP" altLang="en-US" b="1" dirty="0" smtClean="0">
+              <a:rPr kumimoji="1" lang="en-US" altLang="ja-JP" dirty="0" smtClean="0">
                 <a:solidFill>
-                  <a:schemeClr val="accent1"/>
+                  <a:schemeClr val="tx2"/>
                 </a:solidFill>
               </a:rPr>
-              <a:t>インターネット</a:t>
-            </a:r>
-            <a:endParaRPr lang="en-CA" b="1" dirty="0">
+              <a:t>Web</a:t>
+            </a:r>
+            <a:r>
+              <a:rPr kumimoji="1" lang="ja-JP" altLang="en-US" dirty="0" smtClean="0">
+                <a:solidFill>
+                  <a:schemeClr val="tx2"/>
+                </a:solidFill>
+              </a:rPr>
+              <a:t>ブラウザ</a:t>
+            </a:r>
+            <a:endParaRPr kumimoji="1" lang="ja-JP" altLang="en-US" dirty="0">
               <a:solidFill>
-                <a:schemeClr val="accent1"/>
+                <a:schemeClr val="tx2"/>
               </a:solidFill>
             </a:endParaRPr>
+          </a:p>
+        </p:txBody>
+      </p:sp>
+      <p:sp>
+        <p:nvSpPr>
+          <p:cNvPr id="17" name="円/楕円 16"/>
+          <p:cNvSpPr/>
+          <p:nvPr/>
+        </p:nvSpPr>
+        <p:spPr>
+          <a:xfrm>
+            <a:off x="5943600" y="3429000"/>
+            <a:ext cx="2590800" cy="609600"/>
+          </a:xfrm>
+          <a:prstGeom prst="ellipse">
+            <a:avLst/>
+          </a:prstGeom>
+          <a:noFill/>
+        </p:spPr>
+        <p:style>
+          <a:lnRef idx="2">
+            <a:schemeClr val="accent1">
+              <a:shade val="50000"/>
+            </a:schemeClr>
+          </a:lnRef>
+          <a:fillRef idx="1">
+            <a:schemeClr val="accent1"/>
+          </a:fillRef>
+          <a:effectRef idx="0">
+            <a:schemeClr val="accent1"/>
+          </a:effectRef>
+          <a:fontRef idx="minor">
+            <a:schemeClr val="lt1"/>
+          </a:fontRef>
+        </p:style>
+        <p:txBody>
+          <a:bodyPr rtlCol="0" anchor="ctr"/>
+          <a:lstStyle/>
+          <a:p>
+            <a:pPr algn="ctr"/>
+            <a:r>
+              <a:rPr kumimoji="1" lang="en-US" altLang="ja-JP" dirty="0" err="1" smtClean="0">
+                <a:solidFill>
+                  <a:schemeClr val="tx2"/>
+                </a:solidFill>
+              </a:rPr>
+              <a:t>Arduino</a:t>
+            </a:r>
+            <a:r>
+              <a:rPr kumimoji="1" lang="ja-JP" altLang="en-US" dirty="0" smtClean="0">
+                <a:solidFill>
+                  <a:schemeClr val="tx2"/>
+                </a:solidFill>
+              </a:rPr>
+              <a:t>ボード</a:t>
+            </a:r>
+            <a:endParaRPr kumimoji="1" lang="ja-JP" altLang="en-US" dirty="0">
+              <a:solidFill>
+                <a:schemeClr val="tx2"/>
+              </a:solidFill>
+            </a:endParaRPr>
+          </a:p>
+        </p:txBody>
+      </p:sp>
+      <p:sp>
+        <p:nvSpPr>
+          <p:cNvPr id="18" name="円/楕円 17"/>
+          <p:cNvSpPr/>
+          <p:nvPr/>
+        </p:nvSpPr>
+        <p:spPr>
+          <a:xfrm>
+            <a:off x="5791200" y="4495800"/>
+            <a:ext cx="3200400" cy="533400"/>
+          </a:xfrm>
+          <a:prstGeom prst="ellipse">
+            <a:avLst/>
+          </a:prstGeom>
+          <a:noFill/>
+        </p:spPr>
+        <p:style>
+          <a:lnRef idx="2">
+            <a:schemeClr val="accent1">
+              <a:shade val="50000"/>
+            </a:schemeClr>
+          </a:lnRef>
+          <a:fillRef idx="1">
+            <a:schemeClr val="accent1"/>
+          </a:fillRef>
+          <a:effectRef idx="0">
+            <a:schemeClr val="accent1"/>
+          </a:effectRef>
+          <a:fontRef idx="minor">
+            <a:schemeClr val="lt1"/>
+          </a:fontRef>
+        </p:style>
+        <p:txBody>
+          <a:bodyPr rtlCol="0" anchor="ctr"/>
+          <a:lstStyle/>
+          <a:p>
+            <a:pPr algn="ctr"/>
+            <a:r>
+              <a:rPr kumimoji="1" lang="en-US" altLang="ja-JP" dirty="0" smtClean="0">
+                <a:solidFill>
+                  <a:schemeClr val="tx2"/>
+                </a:solidFill>
+              </a:rPr>
+              <a:t>Android</a:t>
+            </a:r>
+            <a:r>
+              <a:rPr kumimoji="1" lang="ja-JP" altLang="en-US" dirty="0" smtClean="0">
+                <a:solidFill>
+                  <a:schemeClr val="tx2"/>
+                </a:solidFill>
+              </a:rPr>
+              <a:t>端末</a:t>
+            </a:r>
+            <a:endParaRPr kumimoji="1" lang="ja-JP" altLang="en-US" dirty="0">
+              <a:solidFill>
+                <a:schemeClr val="tx2"/>
+              </a:solidFill>
+            </a:endParaRPr>
+          </a:p>
+        </p:txBody>
+      </p:sp>
+      <p:sp>
+        <p:nvSpPr>
+          <p:cNvPr id="20" name="直方体 19"/>
+          <p:cNvSpPr/>
+          <p:nvPr/>
+        </p:nvSpPr>
+        <p:spPr>
+          <a:xfrm>
+            <a:off x="1905000" y="1371600"/>
+            <a:ext cx="1371600" cy="1676400"/>
+          </a:xfrm>
+          <a:prstGeom prst="cube">
+            <a:avLst/>
+          </a:prstGeom>
+          <a:noFill/>
+        </p:spPr>
+        <p:style>
+          <a:lnRef idx="2">
+            <a:schemeClr val="accent1">
+              <a:shade val="50000"/>
+            </a:schemeClr>
+          </a:lnRef>
+          <a:fillRef idx="1">
+            <a:schemeClr val="accent1"/>
+          </a:fillRef>
+          <a:effectRef idx="0">
+            <a:schemeClr val="accent1"/>
+          </a:effectRef>
+          <a:fontRef idx="minor">
+            <a:schemeClr val="lt1"/>
+          </a:fontRef>
+        </p:style>
+        <p:txBody>
+          <a:bodyPr rtlCol="0" anchor="ctr"/>
+          <a:lstStyle/>
+          <a:p>
+            <a:pPr algn="ctr"/>
+            <a:r>
+              <a:rPr kumimoji="1" lang="ja-JP" altLang="en-US" dirty="0" smtClean="0">
+                <a:solidFill>
+                  <a:schemeClr val="tx2"/>
+                </a:solidFill>
+              </a:rPr>
+              <a:t>サーバ</a:t>
+            </a:r>
+            <a:endParaRPr kumimoji="1" lang="ja-JP" altLang="en-US" dirty="0">
+              <a:solidFill>
+                <a:schemeClr val="tx2"/>
+              </a:solidFill>
+            </a:endParaRPr>
+          </a:p>
+        </p:txBody>
+      </p:sp>
+      <p:cxnSp>
+        <p:nvCxnSpPr>
+          <p:cNvPr id="23" name="曲線コネクタ 22"/>
+          <p:cNvCxnSpPr>
+            <a:stCxn id="10" idx="0"/>
+            <a:endCxn id="20" idx="2"/>
+          </p:cNvCxnSpPr>
+          <p:nvPr/>
+        </p:nvCxnSpPr>
+        <p:spPr>
+          <a:xfrm rot="5400000" flipH="1" flipV="1">
+            <a:off x="561975" y="3152775"/>
+            <a:ext cx="2114550" cy="571500"/>
+          </a:xfrm>
+          <a:prstGeom prst="curvedConnector2">
+            <a:avLst/>
+          </a:prstGeom>
+          <a:ln>
+            <a:tailEnd type="arrow"/>
+          </a:ln>
+        </p:spPr>
+        <p:style>
+          <a:lnRef idx="1">
+            <a:schemeClr val="accent1"/>
+          </a:lnRef>
+          <a:fillRef idx="0">
+            <a:schemeClr val="accent1"/>
+          </a:fillRef>
+          <a:effectRef idx="0">
+            <a:schemeClr val="accent1"/>
+          </a:effectRef>
+          <a:fontRef idx="minor">
+            <a:schemeClr val="tx1"/>
+          </a:fontRef>
+        </p:style>
+      </p:cxnSp>
+      <p:cxnSp>
+        <p:nvCxnSpPr>
+          <p:cNvPr id="26" name="図形 25"/>
+          <p:cNvCxnSpPr>
+            <a:stCxn id="20" idx="3"/>
+            <a:endCxn id="10" idx="7"/>
+          </p:cNvCxnSpPr>
+          <p:nvPr/>
+        </p:nvCxnSpPr>
+        <p:spPr>
+          <a:xfrm rot="5400000">
+            <a:off x="1492950" y="3669832"/>
+            <a:ext cx="1548233" cy="304568"/>
+          </a:xfrm>
+          <a:prstGeom prst="curvedConnector3">
+            <a:avLst>
+              <a:gd name="adj1" fmla="val 50000"/>
+            </a:avLst>
+          </a:prstGeom>
+          <a:ln>
+            <a:tailEnd type="arrow"/>
+          </a:ln>
+        </p:spPr>
+        <p:style>
+          <a:lnRef idx="1">
+            <a:schemeClr val="accent1"/>
+          </a:lnRef>
+          <a:fillRef idx="0">
+            <a:schemeClr val="accent1"/>
+          </a:fillRef>
+          <a:effectRef idx="0">
+            <a:schemeClr val="accent1"/>
+          </a:effectRef>
+          <a:fontRef idx="minor">
+            <a:schemeClr val="tx1"/>
+          </a:fontRef>
+        </p:style>
+      </p:cxnSp>
+      <p:cxnSp>
+        <p:nvCxnSpPr>
+          <p:cNvPr id="31" name="図形 30"/>
+          <p:cNvCxnSpPr>
+            <a:stCxn id="18" idx="2"/>
+            <a:endCxn id="20" idx="4"/>
+          </p:cNvCxnSpPr>
+          <p:nvPr/>
+        </p:nvCxnSpPr>
+        <p:spPr>
+          <a:xfrm rot="10800000">
+            <a:off x="2933700" y="2381250"/>
+            <a:ext cx="2857500" cy="2381250"/>
+          </a:xfrm>
+          <a:prstGeom prst="curvedConnector3">
+            <a:avLst>
+              <a:gd name="adj1" fmla="val 50000"/>
+            </a:avLst>
+          </a:prstGeom>
+          <a:ln>
+            <a:tailEnd type="arrow"/>
+          </a:ln>
+        </p:spPr>
+        <p:style>
+          <a:lnRef idx="1">
+            <a:schemeClr val="accent1"/>
+          </a:lnRef>
+          <a:fillRef idx="0">
+            <a:schemeClr val="accent1"/>
+          </a:fillRef>
+          <a:effectRef idx="0">
+            <a:schemeClr val="accent1"/>
+          </a:effectRef>
+          <a:fontRef idx="minor">
+            <a:schemeClr val="tx1"/>
+          </a:fontRef>
+        </p:style>
+      </p:cxnSp>
+      <p:cxnSp>
+        <p:nvCxnSpPr>
+          <p:cNvPr id="35" name="図形 34"/>
+          <p:cNvCxnSpPr>
+            <a:stCxn id="20" idx="5"/>
+            <a:endCxn id="18" idx="1"/>
+          </p:cNvCxnSpPr>
+          <p:nvPr/>
+        </p:nvCxnSpPr>
+        <p:spPr>
+          <a:xfrm>
+            <a:off x="3276600" y="2038350"/>
+            <a:ext cx="2983288" cy="2535565"/>
+          </a:xfrm>
+          <a:prstGeom prst="curvedConnector2">
+            <a:avLst/>
+          </a:prstGeom>
+          <a:ln>
+            <a:tailEnd type="arrow"/>
+          </a:ln>
+        </p:spPr>
+        <p:style>
+          <a:lnRef idx="1">
+            <a:schemeClr val="accent1"/>
+          </a:lnRef>
+          <a:fillRef idx="0">
+            <a:schemeClr val="accent1"/>
+          </a:fillRef>
+          <a:effectRef idx="0">
+            <a:schemeClr val="accent1"/>
+          </a:effectRef>
+          <a:fontRef idx="minor">
+            <a:schemeClr val="tx1"/>
+          </a:fontRef>
+        </p:style>
+      </p:cxnSp>
+      <p:cxnSp>
+        <p:nvCxnSpPr>
+          <p:cNvPr id="37" name="曲線コネクタ 36"/>
+          <p:cNvCxnSpPr>
+            <a:stCxn id="18" idx="0"/>
+            <a:endCxn id="17" idx="4"/>
+          </p:cNvCxnSpPr>
+          <p:nvPr/>
+        </p:nvCxnSpPr>
+        <p:spPr>
+          <a:xfrm rot="16200000" flipV="1">
+            <a:off x="7086600" y="4191000"/>
+            <a:ext cx="457200" cy="152400"/>
+          </a:xfrm>
+          <a:prstGeom prst="curvedConnector3">
+            <a:avLst>
+              <a:gd name="adj1" fmla="val 50000"/>
+            </a:avLst>
+          </a:prstGeom>
+          <a:ln>
+            <a:tailEnd type="arrow"/>
+          </a:ln>
+        </p:spPr>
+        <p:style>
+          <a:lnRef idx="1">
+            <a:schemeClr val="accent1"/>
+          </a:lnRef>
+          <a:fillRef idx="0">
+            <a:schemeClr val="accent1"/>
+          </a:fillRef>
+          <a:effectRef idx="0">
+            <a:schemeClr val="accent1"/>
+          </a:effectRef>
+          <a:fontRef idx="minor">
+            <a:schemeClr val="tx1"/>
+          </a:fontRef>
+        </p:style>
+      </p:cxnSp>
+      <p:cxnSp>
+        <p:nvCxnSpPr>
+          <p:cNvPr id="40" name="曲線コネクタ 39"/>
+          <p:cNvCxnSpPr>
+            <a:stCxn id="17" idx="5"/>
+            <a:endCxn id="18" idx="7"/>
+          </p:cNvCxnSpPr>
+          <p:nvPr/>
+        </p:nvCxnSpPr>
+        <p:spPr>
+          <a:xfrm rot="16200000" flipH="1">
+            <a:off x="8026655" y="4077657"/>
+            <a:ext cx="624589" cy="367926"/>
+          </a:xfrm>
+          <a:prstGeom prst="curvedConnector3">
+            <a:avLst>
+              <a:gd name="adj1" fmla="val 50000"/>
+            </a:avLst>
+          </a:prstGeom>
+          <a:ln>
+            <a:tailEnd type="arrow"/>
+          </a:ln>
+        </p:spPr>
+        <p:style>
+          <a:lnRef idx="1">
+            <a:schemeClr val="accent1"/>
+          </a:lnRef>
+          <a:fillRef idx="0">
+            <a:schemeClr val="accent1"/>
+          </a:fillRef>
+          <a:effectRef idx="0">
+            <a:schemeClr val="accent1"/>
+          </a:effectRef>
+          <a:fontRef idx="minor">
+            <a:schemeClr val="tx1"/>
+          </a:fontRef>
+        </p:style>
+      </p:cxnSp>
+      <p:sp>
+        <p:nvSpPr>
+          <p:cNvPr id="45" name="円/楕円 44"/>
+          <p:cNvSpPr/>
+          <p:nvPr/>
+        </p:nvSpPr>
+        <p:spPr>
+          <a:xfrm>
+            <a:off x="5105400" y="1752600"/>
+            <a:ext cx="2514600" cy="533400"/>
+          </a:xfrm>
+          <a:prstGeom prst="ellipse">
+            <a:avLst/>
+          </a:prstGeom>
+          <a:noFill/>
+        </p:spPr>
+        <p:style>
+          <a:lnRef idx="2">
+            <a:schemeClr val="accent1">
+              <a:shade val="50000"/>
+            </a:schemeClr>
+          </a:lnRef>
+          <a:fillRef idx="1">
+            <a:schemeClr val="accent1"/>
+          </a:fillRef>
+          <a:effectRef idx="0">
+            <a:schemeClr val="accent1"/>
+          </a:effectRef>
+          <a:fontRef idx="minor">
+            <a:schemeClr val="lt1"/>
+          </a:fontRef>
+        </p:style>
+        <p:txBody>
+          <a:bodyPr rtlCol="0" anchor="ctr"/>
+          <a:lstStyle/>
+          <a:p>
+            <a:pPr algn="ctr"/>
+            <a:r>
+              <a:rPr kumimoji="1" lang="ja-JP" altLang="en-US" dirty="0" smtClean="0">
+                <a:solidFill>
+                  <a:schemeClr val="tx2"/>
+                </a:solidFill>
+              </a:rPr>
+              <a:t>農業機器</a:t>
+            </a:r>
+            <a:endParaRPr kumimoji="1" lang="en-US" altLang="ja-JP" dirty="0" smtClean="0">
+              <a:solidFill>
+                <a:schemeClr val="tx2"/>
+              </a:solidFill>
+            </a:endParaRPr>
+          </a:p>
+          <a:p>
+            <a:pPr algn="ctr"/>
+            <a:r>
+              <a:rPr kumimoji="1" lang="ja-JP" altLang="en-US" dirty="0" smtClean="0">
+                <a:solidFill>
+                  <a:schemeClr val="tx2"/>
+                </a:solidFill>
+              </a:rPr>
+              <a:t>（ヒーター等）</a:t>
+            </a:r>
+            <a:endParaRPr kumimoji="1" lang="ja-JP" altLang="en-US" dirty="0">
+              <a:solidFill>
+                <a:schemeClr val="tx2"/>
+              </a:solidFill>
+            </a:endParaRPr>
+          </a:p>
+        </p:txBody>
+      </p:sp>
+      <p:sp>
+        <p:nvSpPr>
+          <p:cNvPr id="63" name="円/楕円 62"/>
+          <p:cNvSpPr/>
+          <p:nvPr/>
+        </p:nvSpPr>
+        <p:spPr>
+          <a:xfrm>
+            <a:off x="7315200" y="2057400"/>
+            <a:ext cx="1828800" cy="838200"/>
+          </a:xfrm>
+          <a:prstGeom prst="ellipse">
+            <a:avLst/>
+          </a:prstGeom>
+          <a:noFill/>
+        </p:spPr>
+        <p:style>
+          <a:lnRef idx="2">
+            <a:schemeClr val="accent1">
+              <a:shade val="50000"/>
+            </a:schemeClr>
+          </a:lnRef>
+          <a:fillRef idx="1">
+            <a:schemeClr val="accent1"/>
+          </a:fillRef>
+          <a:effectRef idx="0">
+            <a:schemeClr val="accent1"/>
+          </a:effectRef>
+          <a:fontRef idx="minor">
+            <a:schemeClr val="lt1"/>
+          </a:fontRef>
+        </p:style>
+        <p:txBody>
+          <a:bodyPr rtlCol="0" anchor="ctr"/>
+          <a:lstStyle/>
+          <a:p>
+            <a:pPr algn="ctr"/>
+            <a:r>
+              <a:rPr kumimoji="1" lang="ja-JP" altLang="en-US" dirty="0" smtClean="0">
+                <a:solidFill>
+                  <a:schemeClr val="tx2"/>
+                </a:solidFill>
+              </a:rPr>
+              <a:t>温度、湿度センサ</a:t>
+            </a:r>
+            <a:endParaRPr kumimoji="1" lang="ja-JP" altLang="en-US" dirty="0">
+              <a:solidFill>
+                <a:schemeClr val="tx2"/>
+              </a:solidFill>
+            </a:endParaRPr>
+          </a:p>
+        </p:txBody>
+      </p:sp>
+      <p:cxnSp>
+        <p:nvCxnSpPr>
+          <p:cNvPr id="67" name="曲線コネクタ 66"/>
+          <p:cNvCxnSpPr>
+            <a:stCxn id="17" idx="1"/>
+            <a:endCxn id="45" idx="4"/>
+          </p:cNvCxnSpPr>
+          <p:nvPr/>
+        </p:nvCxnSpPr>
+        <p:spPr>
+          <a:xfrm rot="5400000" flipH="1" flipV="1">
+            <a:off x="5726720" y="2882294"/>
+            <a:ext cx="1232274" cy="39686"/>
+          </a:xfrm>
+          <a:prstGeom prst="curvedConnector3">
+            <a:avLst>
+              <a:gd name="adj1" fmla="val 50000"/>
+            </a:avLst>
+          </a:prstGeom>
+          <a:ln>
+            <a:tailEnd type="arrow"/>
+          </a:ln>
+        </p:spPr>
+        <p:style>
+          <a:lnRef idx="1">
+            <a:schemeClr val="accent1"/>
+          </a:lnRef>
+          <a:fillRef idx="0">
+            <a:schemeClr val="accent1"/>
+          </a:fillRef>
+          <a:effectRef idx="0">
+            <a:schemeClr val="accent1"/>
+          </a:effectRef>
+          <a:fontRef idx="minor">
+            <a:schemeClr val="tx1"/>
+          </a:fontRef>
+        </p:style>
+      </p:cxnSp>
+      <p:cxnSp>
+        <p:nvCxnSpPr>
+          <p:cNvPr id="69" name="曲線コネクタ 68"/>
+          <p:cNvCxnSpPr>
+            <a:stCxn id="63" idx="4"/>
+            <a:endCxn id="17" idx="7"/>
+          </p:cNvCxnSpPr>
+          <p:nvPr/>
+        </p:nvCxnSpPr>
+        <p:spPr>
+          <a:xfrm rot="5400000">
+            <a:off x="7880956" y="3169630"/>
+            <a:ext cx="622674" cy="74614"/>
+          </a:xfrm>
+          <a:prstGeom prst="curvedConnector3">
+            <a:avLst>
+              <a:gd name="adj1" fmla="val 50000"/>
+            </a:avLst>
+          </a:prstGeom>
+          <a:ln>
+            <a:tailEnd type="arrow"/>
+          </a:ln>
+        </p:spPr>
+        <p:style>
+          <a:lnRef idx="1">
+            <a:schemeClr val="accent1"/>
+          </a:lnRef>
+          <a:fillRef idx="0">
+            <a:schemeClr val="accent1"/>
+          </a:fillRef>
+          <a:effectRef idx="0">
+            <a:schemeClr val="accent1"/>
+          </a:effectRef>
+          <a:fontRef idx="minor">
+            <a:schemeClr val="tx1"/>
+          </a:fontRef>
+        </p:style>
+      </p:cxnSp>
+      <p:sp>
+        <p:nvSpPr>
+          <p:cNvPr id="72" name="正方形/長方形 71"/>
+          <p:cNvSpPr/>
+          <p:nvPr/>
+        </p:nvSpPr>
+        <p:spPr>
+          <a:xfrm>
+            <a:off x="1676400" y="3810000"/>
+            <a:ext cx="1371600" cy="457200"/>
+          </a:xfrm>
+          <a:prstGeom prst="rect">
+            <a:avLst/>
+          </a:prstGeom>
+        </p:spPr>
+        <p:style>
+          <a:lnRef idx="2">
+            <a:schemeClr val="accent1">
+              <a:shade val="50000"/>
+            </a:schemeClr>
+          </a:lnRef>
+          <a:fillRef idx="1">
+            <a:schemeClr val="accent1"/>
+          </a:fillRef>
+          <a:effectRef idx="0">
+            <a:schemeClr val="accent1"/>
+          </a:effectRef>
+          <a:fontRef idx="minor">
+            <a:schemeClr val="lt1"/>
+          </a:fontRef>
+        </p:style>
+        <p:txBody>
+          <a:bodyPr rtlCol="0" anchor="ctr"/>
+          <a:lstStyle/>
+          <a:p>
+            <a:pPr algn="ctr"/>
+            <a:r>
+              <a:rPr kumimoji="1" lang="ja-JP" altLang="en-US" dirty="0" smtClean="0"/>
+              <a:t>温度、湿度</a:t>
+            </a:r>
+            <a:endParaRPr kumimoji="1" lang="ja-JP" altLang="en-US" dirty="0"/>
+          </a:p>
+        </p:txBody>
+      </p:sp>
+      <p:sp>
+        <p:nvSpPr>
+          <p:cNvPr id="73" name="正方形/長方形 72"/>
+          <p:cNvSpPr/>
+          <p:nvPr/>
+        </p:nvSpPr>
+        <p:spPr>
+          <a:xfrm>
+            <a:off x="685800" y="2667000"/>
+            <a:ext cx="1676400" cy="838200"/>
+          </a:xfrm>
+          <a:prstGeom prst="rect">
+            <a:avLst/>
+          </a:prstGeom>
+        </p:spPr>
+        <p:style>
+          <a:lnRef idx="2">
+            <a:schemeClr val="accent1">
+              <a:shade val="50000"/>
+            </a:schemeClr>
+          </a:lnRef>
+          <a:fillRef idx="1">
+            <a:schemeClr val="accent1"/>
+          </a:fillRef>
+          <a:effectRef idx="0">
+            <a:schemeClr val="accent1"/>
+          </a:effectRef>
+          <a:fontRef idx="minor">
+            <a:schemeClr val="lt1"/>
+          </a:fontRef>
+        </p:style>
+        <p:txBody>
+          <a:bodyPr rtlCol="0" anchor="ctr"/>
+          <a:lstStyle/>
+          <a:p>
+            <a:pPr algn="ctr"/>
+            <a:r>
+              <a:rPr kumimoji="1" lang="ja-JP" altLang="en-US" dirty="0" smtClean="0"/>
+              <a:t>農業機器の</a:t>
+            </a:r>
+            <a:r>
+              <a:rPr kumimoji="1" lang="en-US" altLang="ja-JP" dirty="0" smtClean="0"/>
+              <a:t>ON,OFF</a:t>
+            </a:r>
+            <a:r>
+              <a:rPr kumimoji="1" lang="ja-JP" altLang="en-US" dirty="0" smtClean="0"/>
+              <a:t>信号を送信</a:t>
+            </a:r>
+            <a:endParaRPr kumimoji="1" lang="ja-JP" altLang="en-US" dirty="0"/>
+          </a:p>
+        </p:txBody>
+      </p:sp>
+      <p:sp>
+        <p:nvSpPr>
+          <p:cNvPr id="74" name="正方形/長方形 73"/>
+          <p:cNvSpPr/>
+          <p:nvPr/>
+        </p:nvSpPr>
+        <p:spPr>
+          <a:xfrm>
+            <a:off x="3581400" y="3429000"/>
+            <a:ext cx="1371600" cy="838200"/>
+          </a:xfrm>
+          <a:prstGeom prst="rect">
+            <a:avLst/>
+          </a:prstGeom>
+        </p:spPr>
+        <p:style>
+          <a:lnRef idx="2">
+            <a:schemeClr val="accent1">
+              <a:shade val="50000"/>
+            </a:schemeClr>
+          </a:lnRef>
+          <a:fillRef idx="1">
+            <a:schemeClr val="accent1"/>
+          </a:fillRef>
+          <a:effectRef idx="0">
+            <a:schemeClr val="accent1"/>
+          </a:effectRef>
+          <a:fontRef idx="minor">
+            <a:schemeClr val="lt1"/>
+          </a:fontRef>
+        </p:style>
+        <p:txBody>
+          <a:bodyPr rtlCol="0" anchor="ctr"/>
+          <a:lstStyle/>
+          <a:p>
+            <a:pPr algn="ctr"/>
+            <a:r>
+              <a:rPr kumimoji="1" lang="ja-JP" altLang="en-US" dirty="0" smtClean="0"/>
+              <a:t>温度、湿度を文字情報で送信</a:t>
+            </a:r>
+            <a:endParaRPr kumimoji="1" lang="ja-JP" altLang="en-US" dirty="0"/>
+          </a:p>
+        </p:txBody>
+      </p:sp>
+      <p:sp>
+        <p:nvSpPr>
+          <p:cNvPr id="77" name="正方形/長方形 76"/>
+          <p:cNvSpPr/>
+          <p:nvPr/>
+        </p:nvSpPr>
+        <p:spPr>
+          <a:xfrm>
+            <a:off x="3352800" y="1524000"/>
+            <a:ext cx="1524000" cy="762000"/>
+          </a:xfrm>
+          <a:prstGeom prst="rect">
+            <a:avLst/>
+          </a:prstGeom>
+        </p:spPr>
+        <p:style>
+          <a:lnRef idx="2">
+            <a:schemeClr val="accent1">
+              <a:shade val="50000"/>
+            </a:schemeClr>
+          </a:lnRef>
+          <a:fillRef idx="1">
+            <a:schemeClr val="accent1"/>
+          </a:fillRef>
+          <a:effectRef idx="0">
+            <a:schemeClr val="accent1"/>
+          </a:effectRef>
+          <a:fontRef idx="minor">
+            <a:schemeClr val="lt1"/>
+          </a:fontRef>
+        </p:style>
+        <p:txBody>
+          <a:bodyPr rtlCol="0" anchor="ctr"/>
+          <a:lstStyle/>
+          <a:p>
+            <a:pPr algn="ctr"/>
+            <a:r>
+              <a:rPr kumimoji="1" lang="ja-JP" altLang="en-US" dirty="0" smtClean="0"/>
+              <a:t>農業機器の</a:t>
+            </a:r>
+            <a:r>
+              <a:rPr kumimoji="1" lang="en-US" altLang="ja-JP" dirty="0" smtClean="0"/>
+              <a:t>ON,OFF</a:t>
+            </a:r>
+            <a:r>
+              <a:rPr kumimoji="1" lang="ja-JP" altLang="en-US" dirty="0" smtClean="0"/>
+              <a:t>信号を送信</a:t>
+            </a:r>
+            <a:endParaRPr kumimoji="1" lang="ja-JP" altLang="en-US" dirty="0"/>
+          </a:p>
+        </p:txBody>
+      </p:sp>
+      <p:sp>
+        <p:nvSpPr>
+          <p:cNvPr id="78" name="正方形/長方形 77"/>
+          <p:cNvSpPr/>
+          <p:nvPr/>
+        </p:nvSpPr>
+        <p:spPr>
+          <a:xfrm>
+            <a:off x="5715000" y="2590800"/>
+            <a:ext cx="1371600" cy="533400"/>
+          </a:xfrm>
+          <a:prstGeom prst="rect">
+            <a:avLst/>
+          </a:prstGeom>
+        </p:spPr>
+        <p:style>
+          <a:lnRef idx="2">
+            <a:schemeClr val="accent1">
+              <a:shade val="50000"/>
+            </a:schemeClr>
+          </a:lnRef>
+          <a:fillRef idx="1">
+            <a:schemeClr val="accent1"/>
+          </a:fillRef>
+          <a:effectRef idx="0">
+            <a:schemeClr val="accent1"/>
+          </a:effectRef>
+          <a:fontRef idx="minor">
+            <a:schemeClr val="lt1"/>
+          </a:fontRef>
+        </p:style>
+        <p:txBody>
+          <a:bodyPr rtlCol="0" anchor="ctr"/>
+          <a:lstStyle/>
+          <a:p>
+            <a:pPr algn="ctr"/>
+            <a:r>
+              <a:rPr kumimoji="1" lang="ja-JP" altLang="en-US" dirty="0" smtClean="0"/>
+              <a:t>農業機器の</a:t>
+            </a:r>
+            <a:r>
+              <a:rPr kumimoji="1" lang="ja-JP" altLang="en-US" dirty="0" smtClean="0"/>
+              <a:t>ｒｙ</a:t>
+            </a:r>
+            <a:endParaRPr kumimoji="1" lang="ja-JP" altLang="en-US" dirty="0"/>
+          </a:p>
+        </p:txBody>
+      </p:sp>
+      <p:sp>
+        <p:nvSpPr>
+          <p:cNvPr id="79" name="正方形/長方形 78"/>
+          <p:cNvSpPr/>
+          <p:nvPr/>
+        </p:nvSpPr>
+        <p:spPr>
+          <a:xfrm>
+            <a:off x="7620000" y="2971800"/>
+            <a:ext cx="1371600" cy="457200"/>
+          </a:xfrm>
+          <a:prstGeom prst="rect">
+            <a:avLst/>
+          </a:prstGeom>
+        </p:spPr>
+        <p:style>
+          <a:lnRef idx="2">
+            <a:schemeClr val="accent1">
+              <a:shade val="50000"/>
+            </a:schemeClr>
+          </a:lnRef>
+          <a:fillRef idx="1">
+            <a:schemeClr val="accent1"/>
+          </a:fillRef>
+          <a:effectRef idx="0">
+            <a:schemeClr val="accent1"/>
+          </a:effectRef>
+          <a:fontRef idx="minor">
+            <a:schemeClr val="lt1"/>
+          </a:fontRef>
+        </p:style>
+        <p:txBody>
+          <a:bodyPr rtlCol="0" anchor="ctr"/>
+          <a:lstStyle/>
+          <a:p>
+            <a:pPr algn="ctr"/>
+            <a:r>
+              <a:rPr kumimoji="1" lang="ja-JP" altLang="en-US" dirty="0" smtClean="0"/>
+              <a:t>温度、湿度</a:t>
+            </a:r>
+            <a:endParaRPr kumimoji="1" lang="ja-JP" altLang="en-US" dirty="0"/>
           </a:p>
         </p:txBody>
       </p:sp>
@@ -11929,7 +12757,7 @@
           <p:nvPr>
             <p:extLst>
               <p:ext uri="{D42A27DB-BD31-4B8C-83A1-F6EECF244321}">
-                <p14:modId xmlns:p14="http://schemas.microsoft.com/office/powerpoint/2010/main" val="1664411961"/>
+                <p14:modId xmlns:p14="http://schemas.microsoft.com/office/powerpoint/2010/main" xmlns="" val="1664411961"/>
               </p:ext>
             </p:extLst>
           </p:nvPr>
